--- a/paw/P10_yft_conditional_age_at_length/P10_conditional_age_at_length.pptx
+++ b/paw/P10_yft_conditional_age_at_length/P10_conditional_age_at_length.pptx
@@ -5009,12 +5009,393 @@
           </a:p>
         </p:txBody>
       </p:sp>
+      <p:sp>
+        <p:nvSpPr>
+          <p:cNvPr id="6" name="TextBox 5">
+            <a:extLst>
+              <a:ext uri="{FF2B5EF4-FFF2-40B4-BE49-F238E27FC236}">
+                <a16:creationId xmlns:a16="http://schemas.microsoft.com/office/drawing/2014/main" id="{5EF52E75-41E4-02A1-86B0-75C719D50E94}"/>
+              </a:ext>
+            </a:extLst>
+          </p:cNvPr>
+          <p:cNvSpPr txBox="1"/>
+          <p:nvPr/>
+        </p:nvSpPr>
+        <p:spPr>
+          <a:xfrm>
+            <a:off x="334297" y="4216680"/>
+            <a:ext cx="1647374" cy="738664"/>
+          </a:xfrm>
+          <a:prstGeom prst="rect">
+            <a:avLst/>
+          </a:prstGeom>
+          <a:noFill/>
+        </p:spPr>
+        <p:txBody>
+          <a:bodyPr wrap="none" rtlCol="0">
+            <a:spAutoFit/>
+          </a:bodyPr>
+          <a:lstStyle/>
+          <a:p>
+            <a:r>
+              <a:rPr lang="en-US" sz="1400">
+                <a:latin typeface="Calibri" panose="020F0502020204030204" pitchFamily="34" charset="0"/>
+                <a:cs typeface="Calibri" panose="020F0502020204030204" pitchFamily="34" charset="0"/>
+              </a:rPr>
+              <a:t>Ages 0.5 - 5 yrs</a:t>
+            </a:r>
+          </a:p>
+          <a:p>
+            <a:r>
+              <a:rPr lang="en-US" sz="1400">
+                <a:latin typeface="Calibri" panose="020F0502020204030204" pitchFamily="34" charset="0"/>
+                <a:cs typeface="Calibri" panose="020F0502020204030204" pitchFamily="34" charset="0"/>
+              </a:rPr>
+              <a:t>constitute &gt;90% of</a:t>
+            </a:r>
+          </a:p>
+          <a:p>
+            <a:r>
+              <a:rPr lang="en-US" sz="1400">
+                <a:latin typeface="Calibri" panose="020F0502020204030204" pitchFamily="34" charset="0"/>
+                <a:cs typeface="Calibri" panose="020F0502020204030204" pitchFamily="34" charset="0"/>
+              </a:rPr>
+              <a:t>the current biomass</a:t>
+            </a:r>
+          </a:p>
+        </p:txBody>
+      </p:sp>
+      <p:sp>
+        <p:nvSpPr>
+          <p:cNvPr id="8" name="TextBox 7">
+            <a:extLst>
+              <a:ext uri="{FF2B5EF4-FFF2-40B4-BE49-F238E27FC236}">
+                <a16:creationId xmlns:a16="http://schemas.microsoft.com/office/drawing/2014/main" id="{BC6D0A96-4FD0-E79B-EB61-56C6B5A565FD}"/>
+              </a:ext>
+            </a:extLst>
+          </p:cNvPr>
+          <p:cNvSpPr txBox="1"/>
+          <p:nvPr/>
+        </p:nvSpPr>
+        <p:spPr>
+          <a:xfrm>
+            <a:off x="5716072" y="5933771"/>
+            <a:ext cx="2060821" cy="738664"/>
+          </a:xfrm>
+          <a:prstGeom prst="rect">
+            <a:avLst/>
+          </a:prstGeom>
+          <a:noFill/>
+        </p:spPr>
+        <p:txBody>
+          <a:bodyPr wrap="none" rtlCol="0">
+            <a:spAutoFit/>
+          </a:bodyPr>
+          <a:lstStyle/>
+          <a:p>
+            <a:r>
+              <a:rPr lang="en-US" sz="1400">
+                <a:latin typeface="Calibri" panose="020F0502020204030204" pitchFamily="34" charset="0"/>
+                <a:cs typeface="Calibri" panose="020F0502020204030204" pitchFamily="34" charset="0"/>
+              </a:rPr>
+              <a:t>West of 140°E (</a:t>
+            </a:r>
+            <a:r>
+              <a:rPr lang="en-US" sz="1400">
+                <a:solidFill>
+                  <a:srgbClr val="FF8C00"/>
+                </a:solidFill>
+                <a:latin typeface="Calibri" panose="020F0502020204030204" pitchFamily="34" charset="0"/>
+                <a:cs typeface="Calibri" panose="020F0502020204030204" pitchFamily="34" charset="0"/>
+              </a:rPr>
+              <a:t>orange</a:t>
+            </a:r>
+            <a:r>
+              <a:rPr lang="en-US" sz="1400">
+                <a:latin typeface="Calibri" panose="020F0502020204030204" pitchFamily="34" charset="0"/>
+                <a:cs typeface="Calibri" panose="020F0502020204030204" pitchFamily="34" charset="0"/>
+              </a:rPr>
+              <a:t>)</a:t>
+            </a:r>
+          </a:p>
+          <a:p>
+            <a:r>
+              <a:rPr lang="en-US" sz="1400">
+                <a:latin typeface="Calibri" panose="020F0502020204030204" pitchFamily="34" charset="0"/>
+                <a:cs typeface="Calibri" panose="020F0502020204030204" pitchFamily="34" charset="0"/>
+              </a:rPr>
+              <a:t>Center (gray)</a:t>
+            </a:r>
+          </a:p>
+          <a:p>
+            <a:r>
+              <a:rPr lang="en-US" sz="1400">
+                <a:latin typeface="Calibri" panose="020F0502020204030204" pitchFamily="34" charset="0"/>
+                <a:cs typeface="Calibri" panose="020F0502020204030204" pitchFamily="34" charset="0"/>
+              </a:rPr>
+              <a:t>East of 170°E (</a:t>
+            </a:r>
+            <a:r>
+              <a:rPr lang="en-US" sz="1400">
+                <a:solidFill>
+                  <a:srgbClr val="40E0D0"/>
+                </a:solidFill>
+                <a:latin typeface="Calibri" panose="020F0502020204030204" pitchFamily="34" charset="0"/>
+                <a:cs typeface="Calibri" panose="020F0502020204030204" pitchFamily="34" charset="0"/>
+              </a:rPr>
+              <a:t>turquoise</a:t>
+            </a:r>
+            <a:r>
+              <a:rPr lang="en-US" sz="1400">
+                <a:latin typeface="Calibri" panose="020F0502020204030204" pitchFamily="34" charset="0"/>
+                <a:cs typeface="Calibri" panose="020F0502020204030204" pitchFamily="34" charset="0"/>
+              </a:rPr>
+              <a:t>)</a:t>
+            </a:r>
+          </a:p>
+        </p:txBody>
+      </p:sp>
+      <p:sp>
+        <p:nvSpPr>
+          <p:cNvPr id="9" name="TextBox 8">
+            <a:extLst>
+              <a:ext uri="{FF2B5EF4-FFF2-40B4-BE49-F238E27FC236}">
+                <a16:creationId xmlns:a16="http://schemas.microsoft.com/office/drawing/2014/main" id="{655A0329-3BCD-9B28-57E1-122E377A1F63}"/>
+              </a:ext>
+            </a:extLst>
+          </p:cNvPr>
+          <p:cNvSpPr txBox="1"/>
+          <p:nvPr/>
+        </p:nvSpPr>
+        <p:spPr>
+          <a:xfrm>
+            <a:off x="403121" y="2031062"/>
+            <a:ext cx="1120820" cy="523220"/>
+          </a:xfrm>
+          <a:prstGeom prst="rect">
+            <a:avLst/>
+          </a:prstGeom>
+          <a:noFill/>
+        </p:spPr>
+        <p:txBody>
+          <a:bodyPr wrap="none" rtlCol="0">
+            <a:spAutoFit/>
+          </a:bodyPr>
+          <a:lstStyle/>
+          <a:p>
+            <a:r>
+              <a:rPr lang="en-US" sz="1400">
+                <a:latin typeface="Calibri" panose="020F0502020204030204" pitchFamily="34" charset="0"/>
+                <a:cs typeface="Calibri" panose="020F0502020204030204" pitchFamily="34" charset="0"/>
+              </a:rPr>
+              <a:t>Simple loess</a:t>
+            </a:r>
+          </a:p>
+          <a:p>
+            <a:r>
+              <a:rPr lang="en-US" sz="1400">
+                <a:latin typeface="Calibri" panose="020F0502020204030204" pitchFamily="34" charset="0"/>
+                <a:cs typeface="Calibri" panose="020F0502020204030204" pitchFamily="34" charset="0"/>
+              </a:rPr>
+              <a:t>smooth lines</a:t>
+            </a:r>
+          </a:p>
+        </p:txBody>
+      </p:sp>
+      <p:sp>
+        <p:nvSpPr>
+          <p:cNvPr id="10" name="TextBox 9">
+            <a:extLst>
+              <a:ext uri="{FF2B5EF4-FFF2-40B4-BE49-F238E27FC236}">
+                <a16:creationId xmlns:a16="http://schemas.microsoft.com/office/drawing/2014/main" id="{646712E4-81C8-392E-BEA0-53CD331E7BD4}"/>
+              </a:ext>
+            </a:extLst>
+          </p:cNvPr>
+          <p:cNvSpPr txBox="1"/>
+          <p:nvPr/>
+        </p:nvSpPr>
+        <p:spPr>
+          <a:xfrm>
+            <a:off x="8886914" y="5933771"/>
+            <a:ext cx="1734899" cy="738664"/>
+          </a:xfrm>
+          <a:prstGeom prst="rect">
+            <a:avLst/>
+          </a:prstGeom>
+          <a:noFill/>
+        </p:spPr>
+        <p:txBody>
+          <a:bodyPr wrap="none" rtlCol="0">
+            <a:spAutoFit/>
+          </a:bodyPr>
+          <a:lstStyle/>
+          <a:p>
+            <a:r>
+              <a:rPr lang="en-US" sz="1400">
+                <a:latin typeface="Calibri" panose="020F0502020204030204" pitchFamily="34" charset="0"/>
+                <a:cs typeface="Calibri" panose="020F0502020204030204" pitchFamily="34" charset="0"/>
+              </a:rPr>
+              <a:t>North of 0° (</a:t>
+            </a:r>
+            <a:r>
+              <a:rPr lang="en-US" sz="1400">
+                <a:solidFill>
+                  <a:srgbClr val="FF0000"/>
+                </a:solidFill>
+                <a:latin typeface="Calibri" panose="020F0502020204030204" pitchFamily="34" charset="0"/>
+                <a:cs typeface="Calibri" panose="020F0502020204030204" pitchFamily="34" charset="0"/>
+              </a:rPr>
+              <a:t>red</a:t>
+            </a:r>
+            <a:r>
+              <a:rPr lang="en-US" sz="1400">
+                <a:latin typeface="Calibri" panose="020F0502020204030204" pitchFamily="34" charset="0"/>
+                <a:cs typeface="Calibri" panose="020F0502020204030204" pitchFamily="34" charset="0"/>
+              </a:rPr>
+              <a:t>)</a:t>
+            </a:r>
+          </a:p>
+          <a:p>
+            <a:r>
+              <a:rPr lang="en-US" sz="1400">
+                <a:latin typeface="Calibri" panose="020F0502020204030204" pitchFamily="34" charset="0"/>
+                <a:cs typeface="Calibri" panose="020F0502020204030204" pitchFamily="34" charset="0"/>
+              </a:rPr>
+              <a:t>Center (</a:t>
+            </a:r>
+            <a:r>
+              <a:rPr lang="en-US" sz="1400">
+                <a:solidFill>
+                  <a:srgbClr val="FF8C00"/>
+                </a:solidFill>
+                <a:latin typeface="Calibri" panose="020F0502020204030204" pitchFamily="34" charset="0"/>
+                <a:cs typeface="Calibri" panose="020F0502020204030204" pitchFamily="34" charset="0"/>
+              </a:rPr>
+              <a:t>orange</a:t>
+            </a:r>
+            <a:r>
+              <a:rPr lang="en-US" sz="1400">
+                <a:latin typeface="Calibri" panose="020F0502020204030204" pitchFamily="34" charset="0"/>
+                <a:cs typeface="Calibri" panose="020F0502020204030204" pitchFamily="34" charset="0"/>
+              </a:rPr>
+              <a:t>)</a:t>
+            </a:r>
+          </a:p>
+          <a:p>
+            <a:r>
+              <a:rPr lang="en-US" sz="1400">
+                <a:latin typeface="Calibri" panose="020F0502020204030204" pitchFamily="34" charset="0"/>
+                <a:cs typeface="Calibri" panose="020F0502020204030204" pitchFamily="34" charset="0"/>
+              </a:rPr>
+              <a:t>South of 10°S (</a:t>
+            </a:r>
+            <a:r>
+              <a:rPr lang="en-US" sz="1400">
+                <a:solidFill>
+                  <a:srgbClr val="006400"/>
+                </a:solidFill>
+                <a:latin typeface="Calibri" panose="020F0502020204030204" pitchFamily="34" charset="0"/>
+                <a:cs typeface="Calibri" panose="020F0502020204030204" pitchFamily="34" charset="0"/>
+              </a:rPr>
+              <a:t>green</a:t>
+            </a:r>
+            <a:r>
+              <a:rPr lang="en-US" sz="1400">
+                <a:latin typeface="Calibri" panose="020F0502020204030204" pitchFamily="34" charset="0"/>
+                <a:cs typeface="Calibri" panose="020F0502020204030204" pitchFamily="34" charset="0"/>
+              </a:rPr>
+              <a:t>)</a:t>
+            </a:r>
+          </a:p>
+        </p:txBody>
+      </p:sp>
+      <p:sp>
+        <p:nvSpPr>
+          <p:cNvPr id="11" name="TextBox 10">
+            <a:extLst>
+              <a:ext uri="{FF2B5EF4-FFF2-40B4-BE49-F238E27FC236}">
+                <a16:creationId xmlns:a16="http://schemas.microsoft.com/office/drawing/2014/main" id="{FF60C7E7-A610-6066-121E-487AF4E59884}"/>
+              </a:ext>
+            </a:extLst>
+          </p:cNvPr>
+          <p:cNvSpPr txBox="1"/>
+          <p:nvPr/>
+        </p:nvSpPr>
+        <p:spPr>
+          <a:xfrm>
+            <a:off x="3154013" y="5933771"/>
+            <a:ext cx="1107804" cy="523220"/>
+          </a:xfrm>
+          <a:prstGeom prst="rect">
+            <a:avLst/>
+          </a:prstGeom>
+          <a:noFill/>
+        </p:spPr>
+        <p:txBody>
+          <a:bodyPr wrap="none" rtlCol="0">
+            <a:spAutoFit/>
+          </a:bodyPr>
+          <a:lstStyle/>
+          <a:p>
+            <a:r>
+              <a:rPr lang="en-US" sz="1400">
+                <a:latin typeface="Calibri" panose="020F0502020204030204" pitchFamily="34" charset="0"/>
+                <a:cs typeface="Calibri" panose="020F0502020204030204" pitchFamily="34" charset="0"/>
+              </a:rPr>
+              <a:t>Male (</a:t>
+            </a:r>
+            <a:r>
+              <a:rPr lang="en-US" sz="1400">
+                <a:solidFill>
+                  <a:srgbClr val="0000FF"/>
+                </a:solidFill>
+                <a:latin typeface="Calibri" panose="020F0502020204030204" pitchFamily="34" charset="0"/>
+                <a:cs typeface="Calibri" panose="020F0502020204030204" pitchFamily="34" charset="0"/>
+              </a:rPr>
+              <a:t>blue</a:t>
+            </a:r>
+            <a:r>
+              <a:rPr lang="en-US" sz="1400">
+                <a:latin typeface="Calibri" panose="020F0502020204030204" pitchFamily="34" charset="0"/>
+                <a:cs typeface="Calibri" panose="020F0502020204030204" pitchFamily="34" charset="0"/>
+              </a:rPr>
+              <a:t>)</a:t>
+            </a:r>
+          </a:p>
+          <a:p>
+            <a:r>
+              <a:rPr lang="en-US" sz="1400">
+                <a:latin typeface="Calibri" panose="020F0502020204030204" pitchFamily="34" charset="0"/>
+                <a:cs typeface="Calibri" panose="020F0502020204030204" pitchFamily="34" charset="0"/>
+              </a:rPr>
+              <a:t>Female (</a:t>
+            </a:r>
+            <a:r>
+              <a:rPr lang="en-US" sz="1400">
+                <a:solidFill>
+                  <a:srgbClr val="FF0000"/>
+                </a:solidFill>
+                <a:latin typeface="Calibri" panose="020F0502020204030204" pitchFamily="34" charset="0"/>
+                <a:cs typeface="Calibri" panose="020F0502020204030204" pitchFamily="34" charset="0"/>
+              </a:rPr>
+              <a:t>red</a:t>
+            </a:r>
+            <a:r>
+              <a:rPr lang="en-US" sz="1400">
+                <a:latin typeface="Calibri" panose="020F0502020204030204" pitchFamily="34" charset="0"/>
+                <a:cs typeface="Calibri" panose="020F0502020204030204" pitchFamily="34" charset="0"/>
+              </a:rPr>
+              <a:t>)</a:t>
+            </a:r>
+          </a:p>
+        </p:txBody>
+      </p:sp>
       <p:pic>
         <p:nvPicPr>
-          <p:cNvPr id="4" name="Picture 3" descr="Graphical user interface, chart, scatter chart&#10;&#10;Description automatically generated">
+          <p:cNvPr id="16" name="Picture 15" descr="Chart, scatter chart&#10;&#10;Description automatically generated">
             <a:extLst>
               <a:ext uri="{FF2B5EF4-FFF2-40B4-BE49-F238E27FC236}">
-                <a16:creationId xmlns:a16="http://schemas.microsoft.com/office/drawing/2014/main" id="{D3A73CEE-FEFB-F46D-712B-4C4CF2AD785A}"/>
+                <a16:creationId xmlns:a16="http://schemas.microsoft.com/office/drawing/2014/main" id="{A7D102A9-B283-668B-43CD-024DF63B05F9}"/>
               </a:ext>
             </a:extLst>
           </p:cNvPr>
@@ -5031,279 +5412,14 @@
         </p:blipFill>
         <p:spPr>
           <a:xfrm>
-            <a:off x="2085066" y="1243781"/>
-            <a:ext cx="9133541" cy="4566771"/>
+            <a:off x="2084400" y="1245600"/>
+            <a:ext cx="9144000" cy="4572000"/>
           </a:xfrm>
           <a:prstGeom prst="rect">
             <a:avLst/>
           </a:prstGeom>
         </p:spPr>
       </p:pic>
-      <p:sp>
-        <p:nvSpPr>
-          <p:cNvPr id="6" name="TextBox 5">
-            <a:extLst>
-              <a:ext uri="{FF2B5EF4-FFF2-40B4-BE49-F238E27FC236}">
-                <a16:creationId xmlns:a16="http://schemas.microsoft.com/office/drawing/2014/main" id="{5EF52E75-41E4-02A1-86B0-75C719D50E94}"/>
-              </a:ext>
-            </a:extLst>
-          </p:cNvPr>
-          <p:cNvSpPr txBox="1"/>
-          <p:nvPr/>
-        </p:nvSpPr>
-        <p:spPr>
-          <a:xfrm>
-            <a:off x="334297" y="4216680"/>
-            <a:ext cx="1647374" cy="738664"/>
-          </a:xfrm>
-          <a:prstGeom prst="rect">
-            <a:avLst/>
-          </a:prstGeom>
-          <a:noFill/>
-        </p:spPr>
-        <p:txBody>
-          <a:bodyPr wrap="none" rtlCol="0">
-            <a:spAutoFit/>
-          </a:bodyPr>
-          <a:lstStyle/>
-          <a:p>
-            <a:r>
-              <a:rPr lang="en-US" sz="1400">
-                <a:latin typeface="Calibri" panose="020F0502020204030204" pitchFamily="34" charset="0"/>
-                <a:cs typeface="Calibri" panose="020F0502020204030204" pitchFamily="34" charset="0"/>
-              </a:rPr>
-              <a:t>Ages 0.5 - 5 yrs</a:t>
-            </a:r>
-          </a:p>
-          <a:p>
-            <a:r>
-              <a:rPr lang="en-US" sz="1400">
-                <a:latin typeface="Calibri" panose="020F0502020204030204" pitchFamily="34" charset="0"/>
-                <a:cs typeface="Calibri" panose="020F0502020204030204" pitchFamily="34" charset="0"/>
-              </a:rPr>
-              <a:t>constitute &gt;90% of</a:t>
-            </a:r>
-          </a:p>
-          <a:p>
-            <a:r>
-              <a:rPr lang="en-US" sz="1400">
-                <a:latin typeface="Calibri" panose="020F0502020204030204" pitchFamily="34" charset="0"/>
-                <a:cs typeface="Calibri" panose="020F0502020204030204" pitchFamily="34" charset="0"/>
-              </a:rPr>
-              <a:t>the current biomass</a:t>
-            </a:r>
-          </a:p>
-        </p:txBody>
-      </p:sp>
-      <p:sp>
-        <p:nvSpPr>
-          <p:cNvPr id="8" name="TextBox 7">
-            <a:extLst>
-              <a:ext uri="{FF2B5EF4-FFF2-40B4-BE49-F238E27FC236}">
-                <a16:creationId xmlns:a16="http://schemas.microsoft.com/office/drawing/2014/main" id="{BC6D0A96-4FD0-E79B-EB61-56C6B5A565FD}"/>
-              </a:ext>
-            </a:extLst>
-          </p:cNvPr>
-          <p:cNvSpPr txBox="1"/>
-          <p:nvPr/>
-        </p:nvSpPr>
-        <p:spPr>
-          <a:xfrm>
-            <a:off x="5868472" y="5933771"/>
-            <a:ext cx="1767535" cy="738664"/>
-          </a:xfrm>
-          <a:prstGeom prst="rect">
-            <a:avLst/>
-          </a:prstGeom>
-          <a:noFill/>
-        </p:spPr>
-        <p:txBody>
-          <a:bodyPr wrap="none" rtlCol="0">
-            <a:spAutoFit/>
-          </a:bodyPr>
-          <a:lstStyle/>
-          <a:p>
-            <a:r>
-              <a:rPr lang="en-US" sz="1400">
-                <a:latin typeface="Calibri" panose="020F0502020204030204" pitchFamily="34" charset="0"/>
-                <a:cs typeface="Calibri" panose="020F0502020204030204" pitchFamily="34" charset="0"/>
-              </a:rPr>
-              <a:t>Orange: West (ID, PH)</a:t>
-            </a:r>
-          </a:p>
-          <a:p>
-            <a:r>
-              <a:rPr lang="en-US" sz="1400">
-                <a:latin typeface="Calibri" panose="020F0502020204030204" pitchFamily="34" charset="0"/>
-                <a:cs typeface="Calibri" panose="020F0502020204030204" pitchFamily="34" charset="0"/>
-              </a:rPr>
-              <a:t>Gray: East of 140°E</a:t>
-            </a:r>
-          </a:p>
-          <a:p>
-            <a:endParaRPr lang="en-US" sz="1400">
-              <a:latin typeface="Calibri" panose="020F0502020204030204" pitchFamily="34" charset="0"/>
-              <a:cs typeface="Calibri" panose="020F0502020204030204" pitchFamily="34" charset="0"/>
-            </a:endParaRPr>
-          </a:p>
-        </p:txBody>
-      </p:sp>
-      <p:sp>
-        <p:nvSpPr>
-          <p:cNvPr id="9" name="TextBox 8">
-            <a:extLst>
-              <a:ext uri="{FF2B5EF4-FFF2-40B4-BE49-F238E27FC236}">
-                <a16:creationId xmlns:a16="http://schemas.microsoft.com/office/drawing/2014/main" id="{655A0329-3BCD-9B28-57E1-122E377A1F63}"/>
-              </a:ext>
-            </a:extLst>
-          </p:cNvPr>
-          <p:cNvSpPr txBox="1"/>
-          <p:nvPr/>
-        </p:nvSpPr>
-        <p:spPr>
-          <a:xfrm>
-            <a:off x="403121" y="2031062"/>
-            <a:ext cx="1120820" cy="523220"/>
-          </a:xfrm>
-          <a:prstGeom prst="rect">
-            <a:avLst/>
-          </a:prstGeom>
-          <a:noFill/>
-        </p:spPr>
-        <p:txBody>
-          <a:bodyPr wrap="none" rtlCol="0">
-            <a:spAutoFit/>
-          </a:bodyPr>
-          <a:lstStyle/>
-          <a:p>
-            <a:r>
-              <a:rPr lang="en-US" sz="1400">
-                <a:latin typeface="Calibri" panose="020F0502020204030204" pitchFamily="34" charset="0"/>
-                <a:cs typeface="Calibri" panose="020F0502020204030204" pitchFamily="34" charset="0"/>
-              </a:rPr>
-              <a:t>Simple loess</a:t>
-            </a:r>
-          </a:p>
-          <a:p>
-            <a:r>
-              <a:rPr lang="en-US" sz="1400">
-                <a:latin typeface="Calibri" panose="020F0502020204030204" pitchFamily="34" charset="0"/>
-                <a:cs typeface="Calibri" panose="020F0502020204030204" pitchFamily="34" charset="0"/>
-              </a:rPr>
-              <a:t>smooth lines</a:t>
-            </a:r>
-          </a:p>
-        </p:txBody>
-      </p:sp>
-      <p:sp>
-        <p:nvSpPr>
-          <p:cNvPr id="10" name="TextBox 9">
-            <a:extLst>
-              <a:ext uri="{FF2B5EF4-FFF2-40B4-BE49-F238E27FC236}">
-                <a16:creationId xmlns:a16="http://schemas.microsoft.com/office/drawing/2014/main" id="{646712E4-81C8-392E-BEA0-53CD331E7BD4}"/>
-              </a:ext>
-            </a:extLst>
-          </p:cNvPr>
-          <p:cNvSpPr txBox="1"/>
-          <p:nvPr/>
-        </p:nvSpPr>
-        <p:spPr>
-          <a:xfrm>
-            <a:off x="8759914" y="5933771"/>
-            <a:ext cx="2074479" cy="738664"/>
-          </a:xfrm>
-          <a:prstGeom prst="rect">
-            <a:avLst/>
-          </a:prstGeom>
-          <a:noFill/>
-        </p:spPr>
-        <p:txBody>
-          <a:bodyPr wrap="none" rtlCol="0">
-            <a:spAutoFit/>
-          </a:bodyPr>
-          <a:lstStyle/>
-          <a:p>
-            <a:r>
-              <a:rPr lang="en-US" sz="1400">
-                <a:latin typeface="Calibri" panose="020F0502020204030204" pitchFamily="34" charset="0"/>
-                <a:cs typeface="Calibri" panose="020F0502020204030204" pitchFamily="34" charset="0"/>
-              </a:rPr>
-              <a:t>Red: North of the equator</a:t>
-            </a:r>
-          </a:p>
-          <a:p>
-            <a:r>
-              <a:rPr lang="en-US" sz="1400">
-                <a:latin typeface="Calibri" panose="020F0502020204030204" pitchFamily="34" charset="0"/>
-                <a:cs typeface="Calibri" panose="020F0502020204030204" pitchFamily="34" charset="0"/>
-              </a:rPr>
-              <a:t>Yellow: In between</a:t>
-            </a:r>
-          </a:p>
-          <a:p>
-            <a:r>
-              <a:rPr lang="en-US" sz="1400">
-                <a:latin typeface="Calibri" panose="020F0502020204030204" pitchFamily="34" charset="0"/>
-                <a:cs typeface="Calibri" panose="020F0502020204030204" pitchFamily="34" charset="0"/>
-              </a:rPr>
-              <a:t>Green: South of 10°S</a:t>
-            </a:r>
-          </a:p>
-        </p:txBody>
-      </p:sp>
-      <p:sp>
-        <p:nvSpPr>
-          <p:cNvPr id="11" name="TextBox 10">
-            <a:extLst>
-              <a:ext uri="{FF2B5EF4-FFF2-40B4-BE49-F238E27FC236}">
-                <a16:creationId xmlns:a16="http://schemas.microsoft.com/office/drawing/2014/main" id="{FF60C7E7-A610-6066-121E-487AF4E59884}"/>
-              </a:ext>
-            </a:extLst>
-          </p:cNvPr>
-          <p:cNvSpPr txBox="1"/>
-          <p:nvPr/>
-        </p:nvSpPr>
-        <p:spPr>
-          <a:xfrm>
-            <a:off x="3154013" y="5933771"/>
-            <a:ext cx="1081386" cy="738664"/>
-          </a:xfrm>
-          <a:prstGeom prst="rect">
-            <a:avLst/>
-          </a:prstGeom>
-          <a:noFill/>
-        </p:spPr>
-        <p:txBody>
-          <a:bodyPr wrap="none" rtlCol="0">
-            <a:spAutoFit/>
-          </a:bodyPr>
-          <a:lstStyle/>
-          <a:p>
-            <a:r>
-              <a:rPr lang="en-US" sz="1400">
-                <a:latin typeface="Calibri" panose="020F0502020204030204" pitchFamily="34" charset="0"/>
-                <a:cs typeface="Calibri" panose="020F0502020204030204" pitchFamily="34" charset="0"/>
-              </a:rPr>
-              <a:t>Blue: Male</a:t>
-            </a:r>
-          </a:p>
-          <a:p>
-            <a:r>
-              <a:rPr lang="en-US" sz="1400">
-                <a:latin typeface="Calibri" panose="020F0502020204030204" pitchFamily="34" charset="0"/>
-                <a:cs typeface="Calibri" panose="020F0502020204030204" pitchFamily="34" charset="0"/>
-              </a:rPr>
-              <a:t>Red: Female</a:t>
-            </a:r>
-          </a:p>
-          <a:p>
-            <a:endParaRPr lang="en-US" sz="1400">
-              <a:latin typeface="Calibri" panose="020F0502020204030204" pitchFamily="34" charset="0"/>
-              <a:cs typeface="Calibri" panose="020F0502020204030204" pitchFamily="34" charset="0"/>
-            </a:endParaRPr>
-          </a:p>
-        </p:txBody>
-      </p:sp>
     </p:spTree>
     <p:extLst>
       <p:ext uri="{BB962C8B-B14F-4D97-AF65-F5344CB8AC3E}">
